--- a/非受控文档/过程文档/UML基础/UML基础1.pptx
+++ b/非受控文档/过程文档/UML基础/UML基础1.pptx
@@ -314,7 +314,7 @@
           <a:p>
             <a:fld id="{18E237BA-F988-49E5-B4AA-12EC24AF18D2}" type="datetimeFigureOut">
               <a:rPr lang="zh-CN" altLang="en-US" smtClean="0"/>
-              <a:t>2018/10/28</a:t>
+              <a:t>2018/11/2</a:t>
             </a:fld>
             <a:endParaRPr lang="zh-CN" altLang="en-US"/>
           </a:p>
@@ -512,7 +512,7 @@
           <a:p>
             <a:fld id="{18E237BA-F988-49E5-B4AA-12EC24AF18D2}" type="datetimeFigureOut">
               <a:rPr lang="zh-CN" altLang="en-US" smtClean="0"/>
-              <a:t>2018/10/28</a:t>
+              <a:t>2018/11/2</a:t>
             </a:fld>
             <a:endParaRPr lang="zh-CN" altLang="en-US"/>
           </a:p>
@@ -720,7 +720,7 @@
           <a:p>
             <a:fld id="{18E237BA-F988-49E5-B4AA-12EC24AF18D2}" type="datetimeFigureOut">
               <a:rPr lang="zh-CN" altLang="en-US" smtClean="0"/>
-              <a:t>2018/10/28</a:t>
+              <a:t>2018/11/2</a:t>
             </a:fld>
             <a:endParaRPr lang="zh-CN" altLang="en-US"/>
           </a:p>
@@ -918,7 +918,7 @@
           <a:p>
             <a:fld id="{18E237BA-F988-49E5-B4AA-12EC24AF18D2}" type="datetimeFigureOut">
               <a:rPr lang="zh-CN" altLang="en-US" smtClean="0"/>
-              <a:t>2018/10/28</a:t>
+              <a:t>2018/11/2</a:t>
             </a:fld>
             <a:endParaRPr lang="zh-CN" altLang="en-US"/>
           </a:p>
@@ -1193,7 +1193,7 @@
           <a:p>
             <a:fld id="{18E237BA-F988-49E5-B4AA-12EC24AF18D2}" type="datetimeFigureOut">
               <a:rPr lang="zh-CN" altLang="en-US" smtClean="0"/>
-              <a:t>2018/10/28</a:t>
+              <a:t>2018/11/2</a:t>
             </a:fld>
             <a:endParaRPr lang="zh-CN" altLang="en-US"/>
           </a:p>
@@ -1458,7 +1458,7 @@
           <a:p>
             <a:fld id="{18E237BA-F988-49E5-B4AA-12EC24AF18D2}" type="datetimeFigureOut">
               <a:rPr lang="zh-CN" altLang="en-US" smtClean="0"/>
-              <a:t>2018/10/28</a:t>
+              <a:t>2018/11/2</a:t>
             </a:fld>
             <a:endParaRPr lang="zh-CN" altLang="en-US"/>
           </a:p>
@@ -1870,7 +1870,7 @@
           <a:p>
             <a:fld id="{18E237BA-F988-49E5-B4AA-12EC24AF18D2}" type="datetimeFigureOut">
               <a:rPr lang="zh-CN" altLang="en-US" smtClean="0"/>
-              <a:t>2018/10/28</a:t>
+              <a:t>2018/11/2</a:t>
             </a:fld>
             <a:endParaRPr lang="zh-CN" altLang="en-US"/>
           </a:p>
@@ -2011,7 +2011,7 @@
           <a:p>
             <a:fld id="{18E237BA-F988-49E5-B4AA-12EC24AF18D2}" type="datetimeFigureOut">
               <a:rPr lang="zh-CN" altLang="en-US" smtClean="0"/>
-              <a:t>2018/10/28</a:t>
+              <a:t>2018/11/2</a:t>
             </a:fld>
             <a:endParaRPr lang="zh-CN" altLang="en-US"/>
           </a:p>
@@ -2124,7 +2124,7 @@
           <a:p>
             <a:fld id="{18E237BA-F988-49E5-B4AA-12EC24AF18D2}" type="datetimeFigureOut">
               <a:rPr lang="zh-CN" altLang="en-US" smtClean="0"/>
-              <a:t>2018/10/28</a:t>
+              <a:t>2018/11/2</a:t>
             </a:fld>
             <a:endParaRPr lang="zh-CN" altLang="en-US"/>
           </a:p>
@@ -2435,7 +2435,7 @@
           <a:p>
             <a:fld id="{18E237BA-F988-49E5-B4AA-12EC24AF18D2}" type="datetimeFigureOut">
               <a:rPr lang="zh-CN" altLang="en-US" smtClean="0"/>
-              <a:t>2018/10/28</a:t>
+              <a:t>2018/11/2</a:t>
             </a:fld>
             <a:endParaRPr lang="zh-CN" altLang="en-US"/>
           </a:p>
@@ -2723,7 +2723,7 @@
           <a:p>
             <a:fld id="{18E237BA-F988-49E5-B4AA-12EC24AF18D2}" type="datetimeFigureOut">
               <a:rPr lang="zh-CN" altLang="en-US" smtClean="0"/>
-              <a:t>2018/10/28</a:t>
+              <a:t>2018/11/2</a:t>
             </a:fld>
             <a:endParaRPr lang="zh-CN" altLang="en-US"/>
           </a:p>
@@ -2964,7 +2964,7 @@
           <a:p>
             <a:fld id="{18E237BA-F988-49E5-B4AA-12EC24AF18D2}" type="datetimeFigureOut">
               <a:rPr lang="zh-CN" altLang="en-US" smtClean="0"/>
-              <a:t>2018/10/28</a:t>
+              <a:t>2018/11/2</a:t>
             </a:fld>
             <a:endParaRPr lang="zh-CN" altLang="en-US"/>
           </a:p>
@@ -3895,7 +3895,19 @@
             <a:pPr lvl="1"/>
             <a:r>
               <a:rPr lang="zh-CN" altLang="en-US" b="1" dirty="0"/>
-              <a:t>属性字符串：属性字符串用来指定关于属性的其他信息，例如某个属性应该是永久的。任何希望添加在属性定义字符串值但又没有合适地方可以加入的规则，都可以放在属性字符串里。</a:t>
+              <a:t>属性字符串：属性字符串用来</a:t>
+            </a:r>
+            <a:r>
+              <a:rPr lang="zh-CN" altLang="en-US" b="1" dirty="0">
+                <a:solidFill>
+                  <a:srgbClr val="FF0000"/>
+                </a:solidFill>
+              </a:rPr>
+              <a:t>指定关于属性的其他信息</a:t>
+            </a:r>
+            <a:r>
+              <a:rPr lang="zh-CN" altLang="en-US" b="1" dirty="0"/>
+              <a:t>，例如某个属性应该是永久的。任何希望添加在属性定义字符串值但又没有合适地方可以加入的规则，都可以放在属性字符串里。</a:t>
             </a:r>
           </a:p>
         </p:txBody>
@@ -10704,7 +10716,19 @@
           <a:p>
             <a:r>
               <a:rPr lang="zh-CN" altLang="en-US" b="1" dirty="0"/>
-              <a:t>用来描述将要开发系统的功能需求和系统的使用场景</a:t>
+              <a:t>用来描述将要开发系统的</a:t>
+            </a:r>
+            <a:r>
+              <a:rPr lang="zh-CN" altLang="en-US" b="1" dirty="0">
+                <a:solidFill>
+                  <a:srgbClr val="FF0000"/>
+                </a:solidFill>
+              </a:rPr>
+              <a:t>功能需求</a:t>
+            </a:r>
+            <a:r>
+              <a:rPr lang="zh-CN" altLang="en-US" b="1" dirty="0"/>
+              <a:t>和系统的使用场景</a:t>
             </a:r>
             <a:endParaRPr lang="en-US" altLang="zh-CN" b="1" dirty="0"/>
           </a:p>
@@ -12168,7 +12192,19 @@
           <a:p>
             <a:r>
               <a:rPr lang="zh-CN" altLang="en-US" b="1" dirty="0"/>
-              <a:t>参与者是系统外部的一个人或者物，它以某种方式参与了系统的执行过程，参与者不是特指人，是指系统以外的，在使用系统或与系统交互中所扮演的角色，因此参与者可以是人，可以是事物，也可以是时间或其他系统等，还有一点需要注意的是，参与者不是指人或事物本身，而是表示人或事物在系统中所扮演的角色。</a:t>
+              <a:t>参与者是系统外部的一个人或者物，它以某种方式参与了系统的执行过程，参与者不是特指人，是指系统以外的，在使用系统或与系统交互中所扮演的角色，因此参与者可以是人，可以是事物，也可以是时间或其他系统等，还有一点需要注意的是，参与者不是指人或事物本身，而是</a:t>
+            </a:r>
+            <a:r>
+              <a:rPr lang="zh-CN" altLang="en-US" b="1" dirty="0">
+                <a:solidFill>
+                  <a:srgbClr val="FF0000"/>
+                </a:solidFill>
+              </a:rPr>
+              <a:t>表示人或事物在系统中所扮演的角色</a:t>
+            </a:r>
+            <a:r>
+              <a:rPr lang="zh-CN" altLang="en-US" b="1" dirty="0"/>
+              <a:t>。</a:t>
             </a:r>
           </a:p>
           <a:p>
@@ -12807,15 +12843,7 @@
           <a:p>
             <a:r>
               <a:rPr lang="zh-CN" altLang="en-US" b="1" dirty="0"/>
-              <a:t>需求获取（ </a:t>
-            </a:r>
-            <a:r>
-              <a:rPr lang="en-US" altLang="zh-CN" b="1" dirty="0"/>
-              <a:t>Requirement Elicitation</a:t>
-            </a:r>
-            <a:r>
-              <a:rPr lang="zh-CN" altLang="en-US" b="1" dirty="0"/>
-              <a:t>）是需求分析阶段的主体部分，其主要的工作就是要建立待开发系统的模型，而用例就是用于建立这种模型的最好方法。用例最初由</a:t>
+              <a:t>需求获取：是需求分析阶段的主体部分，其主要的工作就是要建立待开发系统的模型，而用例就是用于建立这种模型的最好方法。用例最初由</a:t>
             </a:r>
             <a:r>
               <a:rPr lang="en-US" altLang="zh-CN" b="1" dirty="0" err="1"/>
@@ -12823,7 +12851,7 @@
             </a:r>
             <a:r>
               <a:rPr lang="zh-CN" altLang="en-US" b="1" dirty="0"/>
-              <a:t>博土提出，后来被融合到</a:t>
+              <a:t>博士提出，后来被融合到</a:t>
             </a:r>
             <a:r>
               <a:rPr lang="en-US" altLang="zh-CN" b="1" dirty="0"/>
@@ -12831,7 +12859,15 @@
             </a:r>
             <a:r>
               <a:rPr lang="zh-CN" altLang="en-US" b="1" dirty="0"/>
-              <a:t>的规范之中，成为描述需求的标准化体系用例是代表系统中各个项目相关人员之间根据系统的行为所达成的契约。用例描述了在不同条件下，针对某一项目相关人员的请求，系统对其做出的响应。也就是说用例指的是对一组动作的描述，系统通过执行这些动作将对用例的参与者产生可以看到的结果，用来描述参与者可以感受到的系统服务或功能。 </a:t>
+              <a:t>的规范之中，成为描述需求的标准化体系用例是代表系统中各个项目相关人员之间根据系统的行为所达成的契约。用例描述了在不同条件下，针对某一项目相关人员的请求，系统对其做出的响应。也就是说</a:t>
+            </a:r>
+            <a:r>
+              <a:rPr lang="zh-CN" altLang="en-US" b="1" dirty="0">
+                <a:solidFill>
+                  <a:srgbClr val="FF0000"/>
+                </a:solidFill>
+              </a:rPr>
+              <a:t>用例指的是对一组动作的描述，系统通过执行这些动作将对用例的参与者产生可以看到的结果，用来描述参与者可以感受到的系统服务或功能。 </a:t>
             </a:r>
           </a:p>
           <a:p>
@@ -13150,14 +13186,38 @@
           <a:p>
             <a:r>
               <a:rPr lang="zh-CN" altLang="en-US" b="1" dirty="0"/>
-              <a:t>用例是从系统的使用角度描述系统中的信息，即在系统的外部所能看到的系统的功能，而不是考虑系统内部对该功能的具体实现方式。</a:t>
+              <a:t>用例是</a:t>
+            </a:r>
+            <a:r>
+              <a:rPr lang="zh-CN" altLang="en-US" b="1" dirty="0">
+                <a:solidFill>
+                  <a:srgbClr val="FF0000"/>
+                </a:solidFill>
+              </a:rPr>
+              <a:t>从系统的使用角度描述系统中的信息</a:t>
+            </a:r>
+            <a:r>
+              <a:rPr lang="zh-CN" altLang="en-US" b="1" dirty="0"/>
+              <a:t>，即在系统的外部所能看到的系统的功能，而不是考虑系统内部对该功能的具体实现方式。</a:t>
             </a:r>
             <a:endParaRPr lang="en-US" altLang="zh-CN" b="1" dirty="0"/>
           </a:p>
           <a:p>
             <a:r>
               <a:rPr lang="zh-CN" altLang="en-US" b="1" dirty="0"/>
-              <a:t>用例描述了用户提出的一些可见需求，对应一个具体的用户目标。使用用例可以促进与用户的沟通，正确地理解需求，同时也可以用来划分系统与外部实体的界限，是面向对象分析与设计的起点，是类、对象、操作的来源。</a:t>
+              <a:t>用例描述了</a:t>
+            </a:r>
+            <a:r>
+              <a:rPr lang="zh-CN" altLang="en-US" b="1" dirty="0">
+                <a:solidFill>
+                  <a:srgbClr val="FF0000"/>
+                </a:solidFill>
+              </a:rPr>
+              <a:t>用户提出的一些可见需求，对应一个具体的用户目标</a:t>
+            </a:r>
+            <a:r>
+              <a:rPr lang="zh-CN" altLang="en-US" b="1" dirty="0"/>
+              <a:t>。使用用例可以促进与用户的沟通，正确地理解需求，同时也可以用来划分系统与外部实体的界限，是面向对象分析与设计的起点，是类、对象、操作的来源。</a:t>
             </a:r>
             <a:endParaRPr lang="en-US" altLang="zh-CN" b="1" dirty="0"/>
           </a:p>
@@ -13638,7 +13698,19 @@
             <a:pPr lvl="1"/>
             <a:r>
               <a:rPr lang="zh-CN" altLang="en-US" b="1" dirty="0"/>
-              <a:t>从软件开发的角度，用例就是需求的文字性描述，主要是说明系统如何工作的功能性或行为性需求。用例图只是简单地用图形的方式描述了一下系统。实际上，用例是文本形式不是图形。用例是作为人与人之间・尤其是没有受过专门培训的人员之间互相交流的一种手段。因此，编写用例的首选形式通常是简单的文本。因此对于每个用例，还需要有详细的说明，这样就可以让别人对这个系统有一个更加详细的了解，这时就需要编写用例描述。</a:t>
+              <a:t>从软件开发的角度，用例就是需求的文字性描述，主要是说明系统如何工作的功能性或行为性需求。</a:t>
+            </a:r>
+            <a:r>
+              <a:rPr lang="zh-CN" altLang="en-US" b="1" dirty="0">
+                <a:solidFill>
+                  <a:srgbClr val="FF0000"/>
+                </a:solidFill>
+              </a:rPr>
+              <a:t>用例图只是简单地用图形的方式描述了一下系统。</a:t>
+            </a:r>
+            <a:r>
+              <a:rPr lang="zh-CN" altLang="en-US" b="1" dirty="0"/>
+              <a:t>实际上，用例是文本形式不是图形。用例是作为人与人之间・尤其是没有受过专门培训的人员之间互相交流的一种手段。因此，编写用例的首选形式通常是简单的文本。因此对于每个用例，还需要有详细的说明，这样就可以让别人对这个系统有一个更加详细的了解，这时就需要编写用例描述。</a:t>
             </a:r>
           </a:p>
           <a:p>
@@ -14751,23 +14823,7 @@
             <a:pPr lvl="1"/>
             <a:r>
               <a:rPr lang="zh-CN" altLang="en-US" b="1" dirty="0"/>
-              <a:t>状态图</a:t>
-            </a:r>
-            <a:r>
-              <a:rPr lang="en-US" altLang="zh-CN" b="1" dirty="0"/>
-              <a:t>(</a:t>
-            </a:r>
-            <a:r>
-              <a:rPr lang="en-US" altLang="zh-CN" b="1" dirty="0" err="1"/>
-              <a:t>Statechart</a:t>
-            </a:r>
-            <a:r>
-              <a:rPr lang="en-US" altLang="zh-CN" b="1" dirty="0"/>
-              <a:t> Diagram)</a:t>
-            </a:r>
-            <a:r>
-              <a:rPr lang="zh-CN" altLang="en-US" b="1" dirty="0"/>
-              <a:t>是描述一个实体基于事件反应的动态行为，显示了该实体如何根据当前所处的状态对不同的事件做出反应。通常我们创建一个</a:t>
+              <a:t>状态图：是描述一个实体基于事件反应的动态行为，显示了该实体如何根据当前所处的状态对不同的事件做出反应。通常我们创建一个</a:t>
             </a:r>
             <a:r>
               <a:rPr lang="en-US" altLang="zh-CN" b="1" dirty="0"/>
@@ -15752,23 +15808,23 @@
             <a:pPr lvl="1"/>
             <a:r>
               <a:rPr lang="zh-CN" altLang="en-US" b="1" dirty="0"/>
-              <a:t>顺序图（ </a:t>
-            </a:r>
-            <a:r>
-              <a:rPr lang="en-US" altLang="zh-CN" b="1" dirty="0"/>
-              <a:t>Sequence Diagram</a:t>
+              <a:t>顺序图：是强调消息时间顺序的交互图，它描述了对象之间传送消息的时间顺序，用于表示用例中的行为顺序。顺序图将交互关系表示为一个二维图。横向轴代表了在协作中各独立对象的类元角色。纵向轴是时间轴，时间沿竖线向下延伸。</a:t>
+            </a:r>
+            <a:endParaRPr lang="en-US" altLang="zh-CN" b="1" dirty="0"/>
+          </a:p>
+          <a:p>
+            <a:pPr lvl="1"/>
+            <a:r>
+              <a:rPr lang="zh-CN" altLang="en-US" b="1" dirty="0">
+                <a:solidFill>
+                  <a:srgbClr val="FF0000"/>
+                </a:solidFill>
+              </a:rPr>
+              <a:t>顺序图主要用于按照交互发生的一系列顺序，显示对象之间的这些交互。</a:t>
             </a:r>
             <a:r>
               <a:rPr lang="zh-CN" altLang="en-US" b="1" dirty="0"/>
-              <a:t>）是强调消息时间顺序的交互图，它描述了对象之间传送消息的时间顺序，用于表示用例中的行为顺序。顺序图将交互关系表示为一个二维图。横向轴代表了在协作中各独立对象的类元角色。纵向轴是时间轴，时间沿竖线向下延伸。</a:t>
-            </a:r>
-            <a:endParaRPr lang="en-US" altLang="zh-CN" b="1" dirty="0"/>
-          </a:p>
-          <a:p>
-            <a:pPr lvl="1"/>
-            <a:r>
-              <a:rPr lang="zh-CN" altLang="en-US" b="1" dirty="0"/>
-              <a:t>顺序图主要用于按照交互发生的一系列顺序，显示对象之间的这些交互。很像类图，开发者一般认为顺序图只对他们有意义。然而，一个组织的业务人员会发现，顺序图显示不同的业务对象如何交互，对于交流当前业务如何进行很有用。除记录组织的当前事件外，一个业务级的顺序图能被当作一个需求文件使用，为实现一个未来系统传递需求。在项目的需求阶段，分析师能通过提供一个更加正式层次的表达，把用例带入下一层次。那种情况下，用例常常被细化为一个或者更多的顺序图。</a:t>
+              <a:t>很像类图，开发者一般认为顺序图只对他们有意义。然而，一个组织的业务人员会发现，顺序图显示不同的业务对象如何交互，对于交流当前业务如何进行很有用。除记录组织的当前事件外，一个业务级的顺序图能被当作一个需求文件使用，为实现一个未来系统传递需求。在项目的需求阶段，分析师能通过提供一个更加正式层次的表达，把用例带入下一层次。那种情况下，用例常常被细化为一个或者更多的顺序图。</a:t>
             </a:r>
           </a:p>
         </p:txBody>
@@ -16647,14 +16703,6 @@
           <a:p>
             <a:r>
               <a:rPr lang="zh-CN" altLang="en-US" b="1" dirty="0"/>
-              <a:t>生命线</a:t>
-            </a:r>
-            <a:r>
-              <a:rPr lang="en-US" altLang="zh-CN" b="1" dirty="0"/>
-              <a:t>:</a:t>
-            </a:r>
-            <a:r>
-              <a:rPr lang="zh-CN" altLang="en-US" b="1" dirty="0"/>
               <a:t>生命线（ </a:t>
             </a:r>
             <a:r>
@@ -16671,7 +16719,19 @@
             </a:r>
             <a:r>
               <a:rPr lang="zh-CN" altLang="en-US" b="1" dirty="0"/>
-              <a:t>中定义的生命线可以用实线来表示）生命线是一个时间线，其所用的时间取决于交互持续的时间。每个对象的底部都带有生命线，对象与生命线结合在一起被称为对象的生命线</a:t>
+              <a:t>中定义的生命线可以用实线来表示）</a:t>
+            </a:r>
+            <a:r>
+              <a:rPr lang="zh-CN" altLang="en-US" b="1" dirty="0">
+                <a:solidFill>
+                  <a:srgbClr val="FF0000"/>
+                </a:solidFill>
+              </a:rPr>
+              <a:t>生命线是一个时间线，其所用的时间取决于交互持续的时间</a:t>
+            </a:r>
+            <a:r>
+              <a:rPr lang="zh-CN" altLang="en-US" b="1" dirty="0"/>
+              <a:t>。每个对象的底部都带有生命线，对象与生命线结合在一起被称为对象的生命线</a:t>
             </a:r>
             <a:endParaRPr lang="en-US" altLang="zh-CN" b="1" dirty="0"/>
           </a:p>
@@ -17050,14 +17110,6 @@
           <a:p>
             <a:r>
               <a:rPr lang="zh-CN" altLang="en-US" b="1" dirty="0"/>
-              <a:t>激活期</a:t>
-            </a:r>
-            <a:r>
-              <a:rPr lang="en-US" altLang="zh-CN" b="1" dirty="0"/>
-              <a:t>:</a:t>
-            </a:r>
-            <a:r>
-              <a:rPr lang="zh-CN" altLang="en-US" b="1" dirty="0"/>
               <a:t>激活期（ </a:t>
             </a:r>
             <a:r>
@@ -17395,14 +17447,6 @@
           </a:bodyPr>
           <a:lstStyle/>
           <a:p>
-            <a:r>
-              <a:rPr lang="zh-CN" altLang="en-US" b="1" dirty="0"/>
-              <a:t>消息</a:t>
-            </a:r>
-            <a:r>
-              <a:rPr lang="en-US" altLang="zh-CN" b="1" dirty="0"/>
-              <a:t>:</a:t>
-            </a:r>
             <a:r>
               <a:rPr lang="zh-CN" altLang="en-US" b="1" dirty="0"/>
               <a:t>消息（ </a:t>
@@ -18120,27 +18164,6 @@
               <a:rPr lang="zh-CN" altLang="en-US" b="1" dirty="0"/>
               <a:t>图中用作控制流。一个约東只能被分配到一个单一消息。</a:t>
             </a:r>
-            <a:r>
-              <a:rPr lang="en-US" altLang="zh-CN" b="1" dirty="0"/>
-              <a:t>UML1</a:t>
-            </a:r>
-            <a:r>
-              <a:rPr lang="zh-CN" altLang="en-US" b="1" dirty="0"/>
-              <a:t>．</a:t>
-            </a:r>
-            <a:r>
-              <a:rPr lang="en-US" altLang="zh-CN" b="1" dirty="0"/>
-              <a:t>x</a:t>
-            </a:r>
-            <a:r>
-              <a:rPr lang="zh-CN" altLang="en-US" b="1" dirty="0"/>
-              <a:t>中，为了实现约束条件，需要在消息名前加入约束条件，并放于“”中，约束条件用于描述代码中语句结构。</a:t>
-            </a:r>
-          </a:p>
-          <a:p>
-            <a:pPr marL="0" indent="0">
-              <a:buNone/>
-            </a:pPr>
             <a:br>
               <a:rPr lang="zh-CN" altLang="en-US" dirty="0"/>
             </a:br>
@@ -18311,55 +18334,6 @@
                       </p:childTnLst>
                     </p:cTn>
                   </p:par>
-                  <p:par>
-                    <p:cTn id="7" fill="hold">
-                      <p:stCondLst>
-                        <p:cond delay="indefinite"/>
-                      </p:stCondLst>
-                      <p:childTnLst>
-                        <p:par>
-                          <p:cTn id="8" fill="hold">
-                            <p:stCondLst>
-                              <p:cond delay="0"/>
-                            </p:stCondLst>
-                            <p:childTnLst>
-                              <p:par>
-                                <p:cTn id="9" presetID="1" presetClass="entr" presetSubtype="0" fill="hold" grpId="0" nodeType="clickEffect">
-                                  <p:stCondLst>
-                                    <p:cond delay="0"/>
-                                  </p:stCondLst>
-                                  <p:childTnLst>
-                                    <p:set>
-                                      <p:cBhvr>
-                                        <p:cTn id="10" dur="1" fill="hold">
-                                          <p:stCondLst>
-                                            <p:cond delay="0"/>
-                                          </p:stCondLst>
-                                        </p:cTn>
-                                        <p:tgtEl>
-                                          <p:spTgt spid="15">
-                                            <p:txEl>
-                                              <p:pRg st="1" end="1"/>
-                                            </p:txEl>
-                                          </p:spTgt>
-                                        </p:tgtEl>
-                                        <p:attrNameLst>
-                                          <p:attrName>style.visibility</p:attrName>
-                                        </p:attrNameLst>
-                                      </p:cBhvr>
-                                      <p:to>
-                                        <p:strVal val="visible"/>
-                                      </p:to>
-                                    </p:set>
-                                  </p:childTnLst>
-                                </p:cTn>
-                              </p:par>
-                            </p:childTnLst>
-                          </p:cTn>
-                        </p:par>
-                      </p:childTnLst>
-                    </p:cTn>
-                  </p:par>
                 </p:childTnLst>
               </p:cTn>
               <p:prevCondLst>
@@ -18452,7 +18426,19 @@
             <a:pPr lvl="1"/>
             <a:r>
               <a:rPr lang="zh-CN" altLang="en-US" b="1" dirty="0"/>
-              <a:t>类是对一组具有相同属性、操作、关系和语义的对象的抽象。主要包括名称部分（</a:t>
+              <a:t>类是对一组具有相同属性、操作、关系和语义的对象的抽象。主要包括名称</a:t>
+            </a:r>
+            <a:r>
+              <a:rPr lang="zh-CN" altLang="en-US" b="1" dirty="0">
+                <a:solidFill>
+                  <a:srgbClr val="FF0000"/>
+                </a:solidFill>
+              </a:rPr>
+              <a:t>部分</a:t>
+            </a:r>
+            <a:r>
+              <a:rPr lang="zh-CN" altLang="en-US" b="1" dirty="0"/>
+              <a:t>（</a:t>
             </a:r>
             <a:r>
               <a:rPr lang="en-US" altLang="zh-CN" b="1" dirty="0"/>
@@ -18460,7 +18446,19 @@
             </a:r>
             <a:r>
               <a:rPr lang="zh-CN" altLang="en-US" b="1" dirty="0"/>
-              <a:t>）、属性部分（ </a:t>
+              <a:t>）、</a:t>
+            </a:r>
+            <a:r>
+              <a:rPr lang="zh-CN" altLang="en-US" b="1" dirty="0">
+                <a:solidFill>
+                  <a:srgbClr val="FF0000"/>
+                </a:solidFill>
+              </a:rPr>
+              <a:t>属性部分</a:t>
+            </a:r>
+            <a:r>
+              <a:rPr lang="zh-CN" altLang="en-US" b="1" dirty="0"/>
+              <a:t>（ </a:t>
             </a:r>
             <a:r>
               <a:rPr lang="en-US" altLang="zh-CN" b="1" dirty="0"/>
@@ -18468,7 +18466,19 @@
             </a:r>
             <a:r>
               <a:rPr lang="zh-CN" altLang="en-US" b="1" dirty="0"/>
-              <a:t>）和操作部（ </a:t>
+              <a:t>）和</a:t>
+            </a:r>
+            <a:r>
+              <a:rPr lang="zh-CN" altLang="en-US" b="1" dirty="0">
+                <a:solidFill>
+                  <a:srgbClr val="FF0000"/>
+                </a:solidFill>
+              </a:rPr>
+              <a:t>操作部</a:t>
+            </a:r>
+            <a:r>
+              <a:rPr lang="zh-CN" altLang="en-US" b="1" dirty="0"/>
+              <a:t>（ </a:t>
             </a:r>
             <a:r>
               <a:rPr lang="en-US" altLang="zh-CN" b="1" dirty="0"/>
@@ -19141,15 +19151,7 @@
           <a:p>
             <a:r>
               <a:rPr lang="zh-CN" altLang="en-US" b="1" dirty="0"/>
-              <a:t>协作图，又作“通信图”。即</a:t>
-            </a:r>
-            <a:r>
-              <a:rPr lang="en-US" altLang="zh-CN" b="1" dirty="0"/>
-              <a:t>Communication Diagram</a:t>
-            </a:r>
-            <a:r>
-              <a:rPr lang="zh-CN" altLang="en-US" b="1" dirty="0"/>
-              <a:t>，而“协作”作为一个结构事物用于表达静态结构和动态行为的概念组合，表达不同事物相互协作完成一个复杂功能。故</a:t>
+              <a:t>协作图，又作“通信图”。 “协作”作为一个结构事物用于表达静态结构和动态行为的概念组合，表达不同事物相互协作完成一个复杂功能。故</a:t>
             </a:r>
             <a:r>
               <a:rPr lang="en-US" altLang="zh-CN" b="1" dirty="0"/>
@@ -19438,7 +19440,15 @@
             </a:r>
             <a:r>
               <a:rPr lang="zh-CN" altLang="en-US" b="1" dirty="0"/>
-              <a:t>）发出主动操作的对象，负责发送初始消息，启动一个操作。</a:t>
+              <a:t>）</a:t>
+            </a:r>
+            <a:r>
+              <a:rPr lang="zh-CN" altLang="en-US" b="1" dirty="0">
+                <a:solidFill>
+                  <a:srgbClr val="FF0000"/>
+                </a:solidFill>
+              </a:rPr>
+              <a:t>发出主动操作的对象，负责发送初始消息，启动一个操作。</a:t>
             </a:r>
           </a:p>
           <a:p>
@@ -19460,7 +19470,19 @@
             </a:r>
             <a:r>
               <a:rPr lang="zh-CN" altLang="en-US" b="1" dirty="0"/>
-              <a:t>）是类的实例，负责发送和接收消息。一个协作代表了为了完成某个目标而共同工作的一组对象。对象的角色表示一个或一组对象在完成目标的过程中所应该起的作用。协作图中的对象与顺序图中的对象元素概念基本相同，表示方式也相同，只不过没有生命线，而且在协作图中，无法表示对象的创建和撤销，所以对象在协作图中的位置没有限制。</a:t>
+              <a:t>）</a:t>
+            </a:r>
+            <a:r>
+              <a:rPr lang="zh-CN" altLang="en-US" b="1" dirty="0">
+                <a:solidFill>
+                  <a:srgbClr val="FF0000"/>
+                </a:solidFill>
+              </a:rPr>
+              <a:t>是类的实例，负责发送和接收消息。</a:t>
+            </a:r>
+            <a:r>
+              <a:rPr lang="zh-CN" altLang="en-US" b="1" dirty="0"/>
+              <a:t>一个协作代表了为了完成某个目标而共同工作的一组对象。对象的角色表示一个或一组对象在完成目标的过程中所应该起的作用。协作图中的对象与顺序图中的对象元素概念基本相同，表示方式也相同，只不过没有生命线，而且在协作图中，无法表示对象的创建和撤销，所以对象在协作图中的位置没有限制。</a:t>
             </a:r>
             <a:endParaRPr lang="en-US" altLang="zh-CN" b="1" dirty="0"/>
           </a:p>
@@ -20068,7 +20090,19 @@
             </a:r>
             <a:r>
               <a:rPr lang="zh-CN" altLang="en-US" b="1" dirty="0"/>
-              <a:t>）用线条来表示。链接表示两个对象共享一个消息，位于对象之间或参与者与对象之间。表示两个或多个对象间的独立连接，是关联的实例，通信图中，关联角色是与具体语境有关的暂时的类元之间的关系，关系角色的实例也是链。链表示为一个或多个相连的线或弧。</a:t>
+              <a:t>）用线条来表示。</a:t>
+            </a:r>
+            <a:r>
+              <a:rPr lang="zh-CN" altLang="en-US" b="1" dirty="0">
+                <a:solidFill>
+                  <a:srgbClr val="FF0000"/>
+                </a:solidFill>
+              </a:rPr>
+              <a:t>链接表示两个对象共享一个消息，位于对象之间或参与者与对象之间。</a:t>
+            </a:r>
+            <a:r>
+              <a:rPr lang="zh-CN" altLang="en-US" b="1" dirty="0"/>
+              <a:t>表示两个或多个对象间的独立连接，是关联的实例，通信图中，关联角色是与具体语境有关的暂时的类元之间的关系，关系角色的实例也是链。链表示为一个或多个相连的线或弧。</a:t>
             </a:r>
           </a:p>
           <a:p>
@@ -20867,7 +20901,19 @@
             </a:r>
             <a:r>
               <a:rPr lang="zh-CN" altLang="en-US" b="1" dirty="0"/>
-              <a:t>序列化消息只需要在消息前添加序列号，默认情况下即可，这也是最简单的方式，消息会按照要执行的顺序排序。</a:t>
+              <a:t>序列化消息只需要在</a:t>
+            </a:r>
+            <a:r>
+              <a:rPr lang="zh-CN" altLang="en-US" b="1" dirty="0">
+                <a:solidFill>
+                  <a:srgbClr val="FF0000"/>
+                </a:solidFill>
+              </a:rPr>
+              <a:t>消息前添加序列号</a:t>
+            </a:r>
+            <a:r>
+              <a:rPr lang="zh-CN" altLang="en-US" b="1" dirty="0"/>
+              <a:t>，默认情况下即可，这也是最简单的方式，消息会按照要执行的顺序排序。</a:t>
             </a:r>
             <a:endParaRPr lang="en-US" altLang="zh-CN" b="1" dirty="0"/>
           </a:p>
@@ -20882,15 +20928,35 @@
             </a:r>
             <a:r>
               <a:rPr lang="zh-CN" altLang="en-US" b="1" dirty="0"/>
-              <a:t>控制点条件用来根据消息表达式的计算结果来限制消息的发选，控制点包含在消息中，在序列</a:t>
-            </a:r>
-            <a:r>
-              <a:rPr lang="en-US" altLang="zh-CN" b="1" dirty="0"/>
+              <a:t>控制点条件用来根据消息表达式的计算结果来限制消息的发选，控制点包含在消息中，在</a:t>
+            </a:r>
+            <a:r>
+              <a:rPr lang="zh-CN" altLang="en-US" b="1" dirty="0">
+                <a:solidFill>
+                  <a:srgbClr val="FF0000"/>
+                </a:solidFill>
+              </a:rPr>
+              <a:t>序列</a:t>
+            </a:r>
+            <a:r>
+              <a:rPr lang="en-US" altLang="zh-CN" b="1" dirty="0">
+                <a:solidFill>
+                  <a:srgbClr val="FF0000"/>
+                </a:solidFill>
+              </a:rPr>
               <a:t>ID</a:t>
             </a:r>
             <a:r>
+              <a:rPr lang="zh-CN" altLang="en-US" b="1" dirty="0">
+                <a:solidFill>
+                  <a:srgbClr val="FF0000"/>
+                </a:solidFill>
+              </a:rPr>
+              <a:t>号和消息文本</a:t>
+            </a:r>
+            <a:r>
               <a:rPr lang="zh-CN" altLang="en-US" b="1" dirty="0"/>
-              <a:t>号和消息文本之间。</a:t>
+              <a:t>之间。</a:t>
             </a:r>
             <a:endParaRPr lang="en-US" altLang="zh-CN" b="1" dirty="0"/>
           </a:p>
@@ -20905,7 +20971,19 @@
             </a:r>
             <a:r>
               <a:rPr lang="zh-CN" altLang="en-US" b="1" dirty="0"/>
-              <a:t>就像在顺序图中看到的一样，消息也可以用来在协作图中创建对象实例。为此，一个消息将会发送到新创建的对象实例。对象使用“</a:t>
+              <a:t>就像在顺序图中看到的一样，消息也可以用来在协作图中创建对象实例。为此，</a:t>
+            </a:r>
+            <a:r>
+              <a:rPr lang="zh-CN" altLang="en-US" b="1" dirty="0">
+                <a:solidFill>
+                  <a:srgbClr val="FF0000"/>
+                </a:solidFill>
+              </a:rPr>
+              <a:t>一个消息将会发送到新创建的对象实例</a:t>
+            </a:r>
+            <a:r>
+              <a:rPr lang="zh-CN" altLang="en-US" b="1" dirty="0"/>
+              <a:t>。对象使用“</a:t>
             </a:r>
             <a:r>
               <a:rPr lang="en-US" altLang="zh-CN" b="1" dirty="0"/>
@@ -20928,15 +21006,7 @@
           <a:p>
             <a:r>
               <a:rPr lang="zh-CN" altLang="en-US" b="1" dirty="0"/>
-              <a:t>发送给多对象的消息个对象可能会向同一个类的多个对象同时发送一个消息。在协作图中，多对象（ </a:t>
-            </a:r>
-            <a:r>
-              <a:rPr lang="en-US" altLang="zh-CN" b="1" dirty="0"/>
-              <a:t>Multiple Object</a:t>
-            </a:r>
-            <a:r>
-              <a:rPr lang="zh-CN" altLang="en-US" b="1" dirty="0"/>
-              <a:t>）用“一叠向后延伸的多个对象图标”表示。在多对象前面可以加上用</a:t>
+              <a:t>发送给多对象的消息：一个对象可能会向同一个类的多个对象同时发送一个消息。在协作图中，多对象用“一叠向后延伸的多个对象图标”表示。在多对象前面可以加上用</a:t>
             </a:r>
             <a:r>
               <a:rPr lang="en-US" altLang="zh-CN" b="1" dirty="0"/>
@@ -21378,15 +21448,7 @@
             </a:r>
             <a:r>
               <a:rPr lang="zh-CN" altLang="en-US" b="1" dirty="0"/>
-              <a:t>构造型（ </a:t>
-            </a:r>
-            <a:r>
-              <a:rPr lang="en-US" altLang="zh-CN" b="1" dirty="0"/>
-              <a:t>Stereotype</a:t>
-            </a:r>
-            <a:r>
-              <a:rPr lang="zh-CN" altLang="en-US" b="1" dirty="0"/>
-              <a:t>）可以在现有的</a:t>
+              <a:t>可以在现有的</a:t>
             </a:r>
             <a:r>
               <a:rPr lang="en-US" altLang="zh-CN" b="1" dirty="0"/>
@@ -22638,7 +22700,19 @@
           <a:p>
             <a:r>
               <a:rPr lang="zh-CN" altLang="en-US" dirty="0"/>
-              <a:t>结点是存在于运行时并代表一项计算资源的物理元素，一般至少拥有一些内存，而且通常具有处理能力。它一般用于对执行处理或计算的资源建模，通常具有如下两方面内容能力（如基本内存、计算能力和二级存储器）和位置（在所有必需的地方均可得到）。在</a:t>
+              <a:t>结点是存在于运行时并代表</a:t>
+            </a:r>
+            <a:r>
+              <a:rPr lang="zh-CN" altLang="en-US" dirty="0">
+                <a:solidFill>
+                  <a:srgbClr val="FF0000"/>
+                </a:solidFill>
+              </a:rPr>
+              <a:t>一项计算资源的物理元素，一般至少拥有一些内存，而且通常具有处理能力</a:t>
+            </a:r>
+            <a:r>
+              <a:rPr lang="zh-CN" altLang="en-US" dirty="0"/>
+              <a:t>。它一般用于对执行处理或计算的资源建模，通常具有如下两方面内容能力（如基本内存、计算能力和二级存储器）和位置（在所有必需的地方均可得到）。在</a:t>
             </a:r>
             <a:r>
               <a:rPr lang="en-US" altLang="zh-CN" dirty="0"/>
@@ -22654,23 +22728,7 @@
             </a:r>
             <a:r>
               <a:rPr lang="zh-CN" altLang="en-US" dirty="0"/>
-              <a:t>中，结点被划分为两种类型：处理器（ </a:t>
-            </a:r>
-            <a:r>
-              <a:rPr lang="en-US" altLang="zh-CN" dirty="0"/>
-              <a:t>Processor</a:t>
-            </a:r>
-            <a:r>
-              <a:rPr lang="zh-CN" altLang="en-US" dirty="0"/>
-              <a:t>）和设备（ </a:t>
-            </a:r>
-            <a:r>
-              <a:rPr lang="en-US" altLang="zh-CN" dirty="0"/>
-              <a:t>Device</a:t>
-            </a:r>
-            <a:r>
-              <a:rPr lang="zh-CN" altLang="en-US" dirty="0"/>
-              <a:t>）。处理器是能够执行软件组件、具有计算能力的结点，设备是不能执行软件组件的外围硬件，没有计算能力的结点，通常是通过其接口为外界提供某种服务，例如，打印机、扫描仪等都是设备。</a:t>
+              <a:t>中，结点被划分为两种类型：处理器和设备。处理器是能够执行软件组件、具有计算能力的结点，设备是不能执行软件组件的外围硬件，没有计算能力的结点，通常是通过其接口为外界提供某种服务，例如，打印机、扫描仪等都是设备。</a:t>
             </a:r>
             <a:br>
               <a:rPr lang="zh-CN" altLang="en-US" dirty="0"/>
@@ -23007,43 +23065,16 @@
             <a:pPr lvl="1"/>
             <a:r>
               <a:rPr lang="zh-CN" altLang="en-US" b="1" dirty="0"/>
-              <a:t>简单名：如图</a:t>
-            </a:r>
-            <a:r>
-              <a:rPr lang="en-US" altLang="zh-CN" b="1" dirty="0"/>
-              <a:t>5</a:t>
-            </a:r>
+              <a:t>简单名：它只是一个单独的名称。</a:t>
+            </a:r>
+          </a:p>
+          <a:p>
+            <a:pPr lvl="1"/>
             <a:r>
               <a:rPr lang="zh-CN" altLang="en-US" b="1" dirty="0"/>
-              <a:t>．</a:t>
-            </a:r>
-            <a:r>
-              <a:rPr lang="en-US" altLang="zh-CN" b="1" dirty="0"/>
-              <a:t>2</a:t>
-            </a:r>
-            <a:r>
-              <a:rPr lang="zh-CN" altLang="en-US" b="1" dirty="0"/>
-              <a:t>中的 </a:t>
-            </a:r>
-            <a:r>
-              <a:rPr lang="en-US" altLang="zh-CN" b="1" dirty="0"/>
-              <a:t>Account</a:t>
-            </a:r>
-            <a:r>
-              <a:rPr lang="zh-CN" altLang="en-US" b="1" dirty="0"/>
-              <a:t>，它只是一个单独的名称。</a:t>
-            </a:r>
-          </a:p>
-          <a:p>
-            <a:pPr lvl="1"/>
-            <a:r>
-              <a:rPr lang="zh-CN" altLang="en-US" b="1" dirty="0"/>
-              <a:t>全名：也称为路径名，就是在类名前面加上包的名称，例如 </a:t>
-            </a:r>
-            <a:r>
-              <a:rPr lang="en-US" altLang="zh-CN" b="1" dirty="0"/>
-              <a:t>Business::Account</a:t>
-            </a:r>
+              <a:t>全名：也称为路径名，就是在类名前面加上包的名称</a:t>
+            </a:r>
+            <a:endParaRPr lang="en-US" altLang="zh-CN" b="1" dirty="0"/>
           </a:p>
         </p:txBody>
       </p:sp>
@@ -23781,23 +23812,14 @@
           <a:p>
             <a:r>
               <a:rPr lang="zh-CN" altLang="en-US" dirty="0"/>
-              <a:t>部署图中的依关系使用虚线術头表示。它通常用在部署图中的组件和组件之间，组件依赖外部提供的服务（由组件到接口）。图</a:t>
-            </a:r>
-            <a:r>
-              <a:rPr lang="en-US" altLang="zh-CN" dirty="0"/>
-              <a:t>8</a:t>
-            </a:r>
+              <a:t>部署图中的依赖关系使用虚线箭头表示。它通常用在部署图中的组件和组件之间，组件依赖外部提供的服务（由组件到接口）。</a:t>
+            </a:r>
+            <a:endParaRPr lang="en-US" altLang="zh-CN" dirty="0"/>
+          </a:p>
+          <a:p>
             <a:r>
               <a:rPr lang="zh-CN" altLang="en-US" dirty="0"/>
-              <a:t>．</a:t>
-            </a:r>
-            <a:r>
-              <a:rPr lang="en-US" altLang="zh-CN" dirty="0"/>
-              <a:t>18</a:t>
-            </a:r>
-            <a:r>
-              <a:rPr lang="zh-CN" altLang="en-US" dirty="0"/>
-              <a:t>示意了依关系。实现关系是结点内组件向外提供服务，其表示符号是一条实线。关联关系是体现结点间通信关联，其表示符号也是一条实线。</a:t>
+              <a:t>实现关系是结点内组件向外提供服务，其表示符号是一条实线。关联关系是体现结点间通信关联，其表示符号也是一条实线。</a:t>
             </a:r>
             <a:br>
               <a:rPr lang="zh-CN" altLang="en-US" dirty="0"/>
@@ -23998,6 +24020,55 @@
                                           <p:spTgt spid="15">
                                             <p:txEl>
                                               <p:pRg st="1" end="1"/>
+                                            </p:txEl>
+                                          </p:spTgt>
+                                        </p:tgtEl>
+                                        <p:attrNameLst>
+                                          <p:attrName>style.visibility</p:attrName>
+                                        </p:attrNameLst>
+                                      </p:cBhvr>
+                                      <p:to>
+                                        <p:strVal val="visible"/>
+                                      </p:to>
+                                    </p:set>
+                                  </p:childTnLst>
+                                </p:cTn>
+                              </p:par>
+                            </p:childTnLst>
+                          </p:cTn>
+                        </p:par>
+                      </p:childTnLst>
+                    </p:cTn>
+                  </p:par>
+                  <p:par>
+                    <p:cTn id="11" fill="hold">
+                      <p:stCondLst>
+                        <p:cond delay="indefinite"/>
+                      </p:stCondLst>
+                      <p:childTnLst>
+                        <p:par>
+                          <p:cTn id="12" fill="hold">
+                            <p:stCondLst>
+                              <p:cond delay="0"/>
+                            </p:stCondLst>
+                            <p:childTnLst>
+                              <p:par>
+                                <p:cTn id="13" presetID="1" presetClass="entr" presetSubtype="0" fill="hold" grpId="0" nodeType="clickEffect">
+                                  <p:stCondLst>
+                                    <p:cond delay="0"/>
+                                  </p:stCondLst>
+                                  <p:childTnLst>
+                                    <p:set>
+                                      <p:cBhvr>
+                                        <p:cTn id="14" dur="1" fill="hold">
+                                          <p:stCondLst>
+                                            <p:cond delay="0"/>
+                                          </p:stCondLst>
+                                        </p:cTn>
+                                        <p:tgtEl>
+                                          <p:spTgt spid="15">
+                                            <p:txEl>
+                                              <p:pRg st="2" end="2"/>
                                             </p:txEl>
                                           </p:spTgt>
                                         </p:tgtEl>
@@ -25662,7 +25733,21 @@
                 <a:latin typeface="+mn-ea"/>
                 <a:cs typeface="+mn-ea"/>
               </a:rPr>
-              <a:t>图，修改需求工程</a:t>
+              <a:t>图，审核修改</a:t>
+            </a:r>
+            <a:r>
+              <a:rPr lang="en-US" altLang="zh-CN" dirty="0">
+                <a:latin typeface="+mn-ea"/>
+                <a:cs typeface="+mn-ea"/>
+              </a:rPr>
+              <a:t>UML</a:t>
+            </a:r>
+            <a:r>
+              <a:rPr lang="zh-CN" altLang="en-US" dirty="0">
+                <a:latin typeface="+mn-ea"/>
+                <a:cs typeface="+mn-ea"/>
+              </a:rPr>
+              <a:t>基础</a:t>
             </a:r>
             <a:r>
               <a:rPr lang="en-US" altLang="zh-CN" dirty="0">
@@ -25676,7 +25761,37 @@
                 <a:latin typeface="+mn-ea"/>
                 <a:cs typeface="+mn-ea"/>
               </a:rPr>
-              <a:t>，</a:t>
+              <a:t>；</a:t>
+            </a:r>
+            <a:r>
+              <a:rPr lang="en-US" altLang="zh-CN" dirty="0">
+                <a:latin typeface="+mn-ea"/>
+                <a:cs typeface="+mn-ea"/>
+              </a:rPr>
+              <a:t>85</a:t>
+            </a:r>
+            <a:r>
+              <a:rPr lang="zh-CN" altLang="en-US" dirty="0">
+                <a:latin typeface="+mn-ea"/>
+                <a:cs typeface="+mn-ea"/>
+              </a:rPr>
+              <a:t>分</a:t>
+            </a:r>
+            <a:endParaRPr lang="en-US" altLang="zh-CN" dirty="0">
+              <a:latin typeface="+mn-ea"/>
+              <a:cs typeface="+mn-ea"/>
+            </a:endParaRPr>
+          </a:p>
+          <a:p>
+            <a:pPr marL="0" indent="0">
+              <a:buNone/>
+            </a:pPr>
+            <a:r>
+              <a:rPr lang="zh-CN" altLang="en-US" dirty="0">
+                <a:latin typeface="+mn-ea"/>
+                <a:cs typeface="+mn-ea"/>
+              </a:rPr>
+              <a:t>陈遵义：需求工程文档的编写，</a:t>
             </a:r>
             <a:r>
               <a:rPr lang="en-US" altLang="zh-CN" dirty="0">
@@ -25690,21 +25805,7 @@
                 <a:latin typeface="+mn-ea"/>
                 <a:cs typeface="+mn-ea"/>
               </a:rPr>
-              <a:t>基础</a:t>
-            </a:r>
-            <a:r>
-              <a:rPr lang="en-US" altLang="zh-CN" dirty="0">
-                <a:latin typeface="+mn-ea"/>
-                <a:cs typeface="+mn-ea"/>
-              </a:rPr>
-              <a:t>PPT</a:t>
-            </a:r>
-            <a:r>
-              <a:rPr lang="zh-CN" altLang="en-US" dirty="0">
-                <a:latin typeface="+mn-ea"/>
-                <a:cs typeface="+mn-ea"/>
-              </a:rPr>
-              <a:t>；</a:t>
+              <a:t>图的制作；</a:t>
             </a:r>
             <a:r>
               <a:rPr lang="en-US" altLang="zh-CN" dirty="0">
@@ -25712,50 +25813,6 @@
                 <a:cs typeface="+mn-ea"/>
               </a:rPr>
               <a:t>87</a:t>
-            </a:r>
-            <a:r>
-              <a:rPr lang="zh-CN" altLang="en-US" dirty="0">
-                <a:latin typeface="+mn-ea"/>
-                <a:cs typeface="+mn-ea"/>
-              </a:rPr>
-              <a:t>分</a:t>
-            </a:r>
-            <a:endParaRPr lang="en-US" altLang="zh-CN" dirty="0">
-              <a:latin typeface="+mn-ea"/>
-              <a:cs typeface="+mn-ea"/>
-            </a:endParaRPr>
-          </a:p>
-          <a:p>
-            <a:pPr marL="0" indent="0">
-              <a:buNone/>
-            </a:pPr>
-            <a:r>
-              <a:rPr lang="zh-CN" altLang="en-US" dirty="0">
-                <a:latin typeface="+mn-ea"/>
-                <a:cs typeface="+mn-ea"/>
-              </a:rPr>
-              <a:t>陈遵义：需求工程文档的初步编写，</a:t>
-            </a:r>
-            <a:r>
-              <a:rPr lang="en-US" altLang="zh-CN" dirty="0">
-                <a:latin typeface="+mn-ea"/>
-                <a:cs typeface="+mn-ea"/>
-              </a:rPr>
-              <a:t>UML</a:t>
-            </a:r>
-            <a:r>
-              <a:rPr lang="zh-CN" altLang="en-US" dirty="0">
-                <a:latin typeface="+mn-ea"/>
-                <a:cs typeface="+mn-ea"/>
-              </a:rPr>
-              <a:t>图的制作；</a:t>
-            </a:r>
-            <a:r>
-              <a:rPr lang="en-US" altLang="zh-CN" dirty="0">
-                <a:latin typeface="+mn-ea"/>
-                <a:cs typeface="+mn-ea"/>
-              </a:rPr>
-              <a:t>85</a:t>
             </a:r>
             <a:r>
               <a:rPr lang="zh-CN" altLang="en-US" dirty="0">
@@ -27058,14 +27115,26 @@
             <a:pPr lvl="1"/>
             <a:r>
               <a:rPr lang="zh-CN" altLang="en-US" b="1" dirty="0"/>
-              <a:t>类中属性的可见性主要包括公有</a:t>
+              <a:t>类中属性的可见性主要包括</a:t>
+            </a:r>
+            <a:r>
+              <a:rPr lang="zh-CN" altLang="en-US" b="1" dirty="0">
+                <a:solidFill>
+                  <a:srgbClr val="FF0000"/>
+                </a:solidFill>
+              </a:rPr>
+              <a:t>公有</a:t>
             </a:r>
             <a:r>
               <a:rPr lang="en-US" altLang="zh-CN" b="1" dirty="0"/>
               <a:t>(public)</a:t>
             </a:r>
             <a:r>
-              <a:rPr lang="zh-CN" altLang="en-US" b="1" dirty="0"/>
+              <a:rPr lang="zh-CN" altLang="en-US" b="1" dirty="0">
+                <a:solidFill>
+                  <a:srgbClr val="FF0000"/>
+                </a:solidFill>
+              </a:rPr>
               <a:t>私有</a:t>
             </a:r>
             <a:r>
@@ -27074,7 +27143,15 @@
             </a:r>
             <a:r>
               <a:rPr lang="zh-CN" altLang="en-US" b="1" dirty="0"/>
-              <a:t>和受保护</a:t>
+              <a:t>和</a:t>
+            </a:r>
+            <a:r>
+              <a:rPr lang="zh-CN" altLang="en-US" b="1" dirty="0">
+                <a:solidFill>
+                  <a:srgbClr val="FF0000"/>
+                </a:solidFill>
+              </a:rPr>
+              <a:t>受保护</a:t>
             </a:r>
             <a:r>
               <a:rPr lang="en-US" altLang="zh-CN" b="1" dirty="0"/>
@@ -27396,7 +27473,19 @@
               <a:rPr lang="ja-JP" altLang="en-US" b="1" dirty="0">
                 <a:latin typeface="+mn-ea"/>
               </a:rPr>
-              <a:t>有一个名字以区別于类中的其他属性</a:t>
+              <a:t>有一个名字以区別于</a:t>
+            </a:r>
+            <a:r>
+              <a:rPr lang="zh-CN" altLang="en-US" b="1" dirty="0">
+                <a:latin typeface="+mn-ea"/>
+              </a:rPr>
+              <a:t>类</a:t>
+            </a:r>
+            <a:r>
+              <a:rPr lang="ja-JP" altLang="en-US" b="1" dirty="0">
+                <a:latin typeface="+mn-ea"/>
+              </a:rPr>
+              <a:t>中的其他属性</a:t>
             </a:r>
             <a:r>
               <a:rPr lang="zh-CN" altLang="en-US" b="1" dirty="0">
@@ -27408,7 +27497,19 @@
               <a:rPr lang="ja-JP" altLang="en-US" b="1" dirty="0">
                 <a:latin typeface="+mn-ea"/>
               </a:rPr>
-              <a:t>是类的一个特性</a:t>
+              <a:t>是</a:t>
+            </a:r>
+            <a:r>
+              <a:rPr lang="zh-CN" altLang="en-US" b="1" dirty="0">
+                <a:latin typeface="+mn-ea"/>
+              </a:rPr>
+              <a:t>类</a:t>
+            </a:r>
+            <a:r>
+              <a:rPr lang="ja-JP" altLang="en-US" b="1" dirty="0">
+                <a:latin typeface="+mn-ea"/>
+              </a:rPr>
+              <a:t>的一个特性</a:t>
             </a:r>
           </a:p>
           <a:p>
@@ -27461,40 +27562,67 @@
               <a:rPr lang="ja-JP" altLang="en-US" b="1" dirty="0">
                 <a:latin typeface="+mn-ea"/>
               </a:rPr>
-              <a:t>。按照</a:t>
+              <a:t>。</a:t>
+            </a:r>
+            <a:r>
+              <a:rPr lang="ja-JP" altLang="en-US" b="1" dirty="0">
+                <a:solidFill>
+                  <a:srgbClr val="FF0000"/>
+                </a:solidFill>
+                <a:latin typeface="+mn-ea"/>
+              </a:rPr>
+              <a:t>按照</a:t>
             </a:r>
             <a:r>
               <a:rPr lang="en-US" altLang="ja-JP" b="1" dirty="0">
+                <a:solidFill>
+                  <a:srgbClr val="FF0000"/>
+                </a:solidFill>
                 <a:latin typeface="+mn-ea"/>
               </a:rPr>
               <a:t>UML</a:t>
             </a:r>
             <a:r>
               <a:rPr lang="ja-JP" altLang="en-US" b="1" dirty="0">
+                <a:solidFill>
+                  <a:srgbClr val="FF0000"/>
+                </a:solidFill>
                 <a:latin typeface="+mn-ea"/>
               </a:rPr>
               <a:t>的</a:t>
             </a:r>
             <a:r>
               <a:rPr lang="zh-CN" altLang="en-US" b="1" dirty="0">
+                <a:solidFill>
+                  <a:srgbClr val="FF0000"/>
+                </a:solidFill>
                 <a:latin typeface="+mn-ea"/>
               </a:rPr>
               <a:t>约定单       </a:t>
             </a:r>
             <a:r>
               <a:rPr lang="en-US" altLang="zh-CN" b="1" dirty="0">
+                <a:solidFill>
+                  <a:srgbClr val="FF0000"/>
+                </a:solidFill>
                 <a:latin typeface="+mn-ea"/>
               </a:rPr>
               <a:t>             </a:t>
             </a:r>
             <a:r>
               <a:rPr lang="ja-JP" altLang="en-US" b="1" dirty="0">
+                <a:solidFill>
+                  <a:srgbClr val="FF0000"/>
+                </a:solidFill>
                 <a:latin typeface="+mj-lt"/>
               </a:rPr>
               <a:t>字属性名</a:t>
             </a:r>
             <a:r>
               <a:rPr lang="zh-CN" altLang="en-US" b="1" dirty="0">
+                <a:solidFill>
+                  <a:srgbClr val="FF0000"/>
+                </a:solidFill>
                 <a:latin typeface="+mn-ea"/>
               </a:rPr>
               <a:t>小写。</a:t>
@@ -27503,7 +27631,19 @@
               <a:rPr lang="ja-JP" altLang="en-US" b="1" dirty="0">
                 <a:latin typeface="+mn-ea"/>
               </a:rPr>
-              <a:t>如果属性名包含多个</a:t>
+              <a:t>如果属性名</a:t>
+            </a:r>
+            <a:r>
+              <a:rPr lang="zh-CN" altLang="en-US" b="1" dirty="0">
+                <a:latin typeface="+mn-ea"/>
+              </a:rPr>
+              <a:t>包含</a:t>
+            </a:r>
+            <a:r>
+              <a:rPr lang="ja-JP" altLang="en-US" b="1" dirty="0">
+                <a:latin typeface="+mn-ea"/>
+              </a:rPr>
+              <a:t>多个</a:t>
             </a:r>
             <a:r>
               <a:rPr lang="zh-CN" altLang="en-US" b="1" dirty="0">
@@ -27878,7 +28018,19 @@
             <a:pPr lvl="1"/>
             <a:r>
               <a:rPr lang="zh-CN" altLang="en-US" b="1" dirty="0"/>
-              <a:t>为了保护系统的完整性，防止漏掉取值或被非法的值破坏系统的完整性</a:t>
+              <a:t>为了保护系统的</a:t>
+            </a:r>
+            <a:r>
+              <a:rPr lang="zh-CN" altLang="en-US" b="1" dirty="0">
+                <a:solidFill>
+                  <a:srgbClr val="FF0000"/>
+                </a:solidFill>
+              </a:rPr>
+              <a:t>完整性</a:t>
+            </a:r>
+            <a:r>
+              <a:rPr lang="zh-CN" altLang="en-US" b="1" dirty="0"/>
+              <a:t>，防止漏掉取值或被非法的值破坏系统的完整性</a:t>
             </a:r>
           </a:p>
           <a:p>
